--- a/Presentation.pptx
+++ b/Presentation.pptx
@@ -5,22 +5,21 @@
     <p:sldMasterId id="2147483648" r:id="rId1"/>
   </p:sldMasterIdLst>
   <p:notesMasterIdLst>
-    <p:notesMasterId r:id="rId15"/>
+    <p:notesMasterId r:id="rId14"/>
   </p:notesMasterIdLst>
   <p:sldIdLst>
     <p:sldId id="256" r:id="rId2"/>
-    <p:sldId id="279" r:id="rId3"/>
-    <p:sldId id="257" r:id="rId4"/>
-    <p:sldId id="259" r:id="rId5"/>
-    <p:sldId id="262" r:id="rId6"/>
-    <p:sldId id="260" r:id="rId7"/>
-    <p:sldId id="276" r:id="rId8"/>
-    <p:sldId id="277" r:id="rId9"/>
-    <p:sldId id="275" r:id="rId10"/>
-    <p:sldId id="264" r:id="rId11"/>
-    <p:sldId id="265" r:id="rId12"/>
-    <p:sldId id="266" r:id="rId13"/>
-    <p:sldId id="278" r:id="rId14"/>
+    <p:sldId id="257" r:id="rId3"/>
+    <p:sldId id="259" r:id="rId4"/>
+    <p:sldId id="262" r:id="rId5"/>
+    <p:sldId id="260" r:id="rId6"/>
+    <p:sldId id="276" r:id="rId7"/>
+    <p:sldId id="277" r:id="rId8"/>
+    <p:sldId id="275" r:id="rId9"/>
+    <p:sldId id="264" r:id="rId10"/>
+    <p:sldId id="265" r:id="rId11"/>
+    <p:sldId id="266" r:id="rId12"/>
+    <p:sldId id="278" r:id="rId13"/>
   </p:sldIdLst>
   <p:sldSz cx="12192000" cy="6858000"/>
   <p:notesSz cx="6858000" cy="9144000"/>
@@ -209,7 +208,7 @@
           <a:p>
             <a:fld id="{C160D168-104E-BB47-BCD9-23CA9B55B2CD}" type="datetimeFigureOut">
               <a:rPr lang="en-US" smtClean="0"/>
-              <a:t>1/9/23</a:t>
+              <a:t>1/10/23</a:t>
             </a:fld>
             <a:endParaRPr lang="en-US"/>
           </a:p>
@@ -545,7 +544,7 @@
           <a:p>
             <a:fld id="{65B24ED1-CF1D-8B45-A933-F8F043BDFA80}" type="slidenum">
               <a:rPr lang="en-US" smtClean="0"/>
-              <a:t>6</a:t>
+              <a:t>5</a:t>
             </a:fld>
             <a:endParaRPr lang="en-US"/>
           </a:p>
@@ -650,7 +649,7 @@
           <a:p>
             <a:fld id="{65B24ED1-CF1D-8B45-A933-F8F043BDFA80}" type="slidenum">
               <a:rPr lang="en-US" smtClean="0"/>
-              <a:t>10</a:t>
+              <a:t>9</a:t>
             </a:fld>
             <a:endParaRPr lang="en-US"/>
           </a:p>
@@ -737,7 +736,7 @@
           <a:p>
             <a:fld id="{65B24ED1-CF1D-8B45-A933-F8F043BDFA80}" type="slidenum">
               <a:rPr lang="en-US" smtClean="0"/>
-              <a:t>11</a:t>
+              <a:t>10</a:t>
             </a:fld>
             <a:endParaRPr lang="en-US"/>
           </a:p>
@@ -821,7 +820,7 @@
           <a:p>
             <a:fld id="{65B24ED1-CF1D-8B45-A933-F8F043BDFA80}" type="slidenum">
               <a:rPr lang="en-US" smtClean="0"/>
-              <a:t>13</a:t>
+              <a:t>12</a:t>
             </a:fld>
             <a:endParaRPr lang="en-US"/>
           </a:p>
@@ -989,7 +988,7 @@
           <a:p>
             <a:fld id="{11FEC548-63AB-9B43-9519-48F21B3F6E07}" type="datetimeFigureOut">
               <a:rPr lang="en-US" smtClean="0"/>
-              <a:t>1/9/23</a:t>
+              <a:t>1/10/23</a:t>
             </a:fld>
             <a:endParaRPr lang="en-US"/>
           </a:p>
@@ -1189,7 +1188,7 @@
           <a:p>
             <a:fld id="{11FEC548-63AB-9B43-9519-48F21B3F6E07}" type="datetimeFigureOut">
               <a:rPr lang="en-US" smtClean="0"/>
-              <a:t>1/9/23</a:t>
+              <a:t>1/10/23</a:t>
             </a:fld>
             <a:endParaRPr lang="en-US"/>
           </a:p>
@@ -1399,7 +1398,7 @@
           <a:p>
             <a:fld id="{11FEC548-63AB-9B43-9519-48F21B3F6E07}" type="datetimeFigureOut">
               <a:rPr lang="en-US" smtClean="0"/>
-              <a:t>1/9/23</a:t>
+              <a:t>1/10/23</a:t>
             </a:fld>
             <a:endParaRPr lang="en-US"/>
           </a:p>
@@ -1599,7 +1598,7 @@
           <a:p>
             <a:fld id="{11FEC548-63AB-9B43-9519-48F21B3F6E07}" type="datetimeFigureOut">
               <a:rPr lang="en-US" smtClean="0"/>
-              <a:t>1/9/23</a:t>
+              <a:t>1/10/23</a:t>
             </a:fld>
             <a:endParaRPr lang="en-US"/>
           </a:p>
@@ -1875,7 +1874,7 @@
           <a:p>
             <a:fld id="{11FEC548-63AB-9B43-9519-48F21B3F6E07}" type="datetimeFigureOut">
               <a:rPr lang="en-US" smtClean="0"/>
-              <a:t>1/9/23</a:t>
+              <a:t>1/10/23</a:t>
             </a:fld>
             <a:endParaRPr lang="en-US"/>
           </a:p>
@@ -2143,7 +2142,7 @@
           <a:p>
             <a:fld id="{11FEC548-63AB-9B43-9519-48F21B3F6E07}" type="datetimeFigureOut">
               <a:rPr lang="en-US" smtClean="0"/>
-              <a:t>1/9/23</a:t>
+              <a:t>1/10/23</a:t>
             </a:fld>
             <a:endParaRPr lang="en-US"/>
           </a:p>
@@ -2558,7 +2557,7 @@
           <a:p>
             <a:fld id="{11FEC548-63AB-9B43-9519-48F21B3F6E07}" type="datetimeFigureOut">
               <a:rPr lang="en-US" smtClean="0"/>
-              <a:t>1/9/23</a:t>
+              <a:t>1/10/23</a:t>
             </a:fld>
             <a:endParaRPr lang="en-US"/>
           </a:p>
@@ -2700,7 +2699,7 @@
           <a:p>
             <a:fld id="{11FEC548-63AB-9B43-9519-48F21B3F6E07}" type="datetimeFigureOut">
               <a:rPr lang="en-US" smtClean="0"/>
-              <a:t>1/9/23</a:t>
+              <a:t>1/10/23</a:t>
             </a:fld>
             <a:endParaRPr lang="en-US"/>
           </a:p>
@@ -2813,7 +2812,7 @@
           <a:p>
             <a:fld id="{11FEC548-63AB-9B43-9519-48F21B3F6E07}" type="datetimeFigureOut">
               <a:rPr lang="en-US" smtClean="0"/>
-              <a:t>1/9/23</a:t>
+              <a:t>1/10/23</a:t>
             </a:fld>
             <a:endParaRPr lang="en-US"/>
           </a:p>
@@ -3126,7 +3125,7 @@
           <a:p>
             <a:fld id="{11FEC548-63AB-9B43-9519-48F21B3F6E07}" type="datetimeFigureOut">
               <a:rPr lang="en-US" smtClean="0"/>
-              <a:t>1/9/23</a:t>
+              <a:t>1/10/23</a:t>
             </a:fld>
             <a:endParaRPr lang="en-US"/>
           </a:p>
@@ -3415,7 +3414,7 @@
           <a:p>
             <a:fld id="{11FEC548-63AB-9B43-9519-48F21B3F6E07}" type="datetimeFigureOut">
               <a:rPr lang="en-US" smtClean="0"/>
-              <a:t>1/9/23</a:t>
+              <a:t>1/10/23</a:t>
             </a:fld>
             <a:endParaRPr lang="en-US"/>
           </a:p>
@@ -3660,7 +3659,7 @@
             <a:fld id="{11FEC548-63AB-9B43-9519-48F21B3F6E07}" type="datetimeFigureOut">
               <a:rPr lang="en-US" smtClean="0"/>
               <a:pPr/>
-              <a:t>1/9/23</a:t>
+              <a:t>1/10/23</a:t>
             </a:fld>
             <a:endParaRPr lang="en-US" dirty="0"/>
           </a:p>
@@ -4448,209 +4447,6 @@
       </p:grpSpPr>
       <p:sp>
         <p:nvSpPr>
-          <p:cNvPr id="2" name="Title 1">
-            <a:extLst>
-              <a:ext uri="{FF2B5EF4-FFF2-40B4-BE49-F238E27FC236}">
-                <a16:creationId xmlns:a16="http://schemas.microsoft.com/office/drawing/2014/main" id="{3820A429-5ECD-EC4A-B430-BC96EE2088AE}"/>
-              </a:ext>
-            </a:extLst>
-          </p:cNvPr>
-          <p:cNvSpPr>
-            <a:spLocks noGrp="1"/>
-          </p:cNvSpPr>
-          <p:nvPr>
-            <p:ph type="title"/>
-          </p:nvPr>
-        </p:nvSpPr>
-        <p:spPr/>
-        <p:txBody>
-          <a:bodyPr/>
-          <a:lstStyle/>
-          <a:p>
-            <a:r>
-              <a:rPr lang="en-US" dirty="0"/>
-              <a:t>Deployment architecture</a:t>
-            </a:r>
-          </a:p>
-        </p:txBody>
-      </p:sp>
-      <p:sp>
-        <p:nvSpPr>
-          <p:cNvPr id="16" name="Rectangle 15">
-            <a:extLst>
-              <a:ext uri="{FF2B5EF4-FFF2-40B4-BE49-F238E27FC236}">
-                <a16:creationId xmlns:a16="http://schemas.microsoft.com/office/drawing/2014/main" id="{D36ED0B8-3843-444A-802E-5438D1F2020A}"/>
-              </a:ext>
-            </a:extLst>
-          </p:cNvPr>
-          <p:cNvSpPr/>
-          <p:nvPr/>
-        </p:nvSpPr>
-        <p:spPr>
-          <a:xfrm>
-            <a:off x="0" y="0"/>
-            <a:ext cx="12192000" cy="1325563"/>
-          </a:xfrm>
-          <a:prstGeom prst="rect">
-            <a:avLst/>
-          </a:prstGeom>
-          <a:solidFill>
-            <a:srgbClr val="728FA5"/>
-          </a:solidFill>
-          <a:ln>
-            <a:noFill/>
-          </a:ln>
-        </p:spPr>
-        <p:style>
-          <a:lnRef idx="2">
-            <a:schemeClr val="accent1">
-              <a:shade val="50000"/>
-            </a:schemeClr>
-          </a:lnRef>
-          <a:fillRef idx="1">
-            <a:schemeClr val="accent1"/>
-          </a:fillRef>
-          <a:effectRef idx="0">
-            <a:schemeClr val="accent1"/>
-          </a:effectRef>
-          <a:fontRef idx="minor">
-            <a:schemeClr val="lt1"/>
-          </a:fontRef>
-        </p:style>
-        <p:txBody>
-          <a:bodyPr rtlCol="0" anchor="ctr"/>
-          <a:lstStyle/>
-          <a:p>
-            <a:pPr algn="ctr"/>
-            <a:endParaRPr lang="en-US"/>
-          </a:p>
-        </p:txBody>
-      </p:sp>
-      <p:sp>
-        <p:nvSpPr>
-          <p:cNvPr id="17" name="Title 1">
-            <a:extLst>
-              <a:ext uri="{FF2B5EF4-FFF2-40B4-BE49-F238E27FC236}">
-                <a16:creationId xmlns:a16="http://schemas.microsoft.com/office/drawing/2014/main" id="{014DF31C-EDBD-BF46-B682-2F64B833DAA9}"/>
-              </a:ext>
-            </a:extLst>
-          </p:cNvPr>
-          <p:cNvSpPr txBox="1">
-            <a:spLocks/>
-          </p:cNvSpPr>
-          <p:nvPr/>
-        </p:nvSpPr>
-        <p:spPr>
-          <a:xfrm>
-            <a:off x="285939" y="0"/>
-            <a:ext cx="10515600" cy="1325563"/>
-          </a:xfrm>
-          <a:prstGeom prst="rect">
-            <a:avLst/>
-          </a:prstGeom>
-        </p:spPr>
-        <p:txBody>
-          <a:bodyPr vert="horz" lIns="91440" tIns="45720" rIns="91440" bIns="45720" rtlCol="0" anchor="ctr">
-            <a:normAutofit/>
-          </a:bodyPr>
-          <a:lstStyle>
-            <a:lvl1pPr algn="l" defTabSz="914400" rtl="0" eaLnBrk="1" latinLnBrk="0" hangingPunct="1">
-              <a:lnSpc>
-                <a:spcPct val="90000"/>
-              </a:lnSpc>
-              <a:spcBef>
-                <a:spcPct val="0"/>
-              </a:spcBef>
-              <a:buNone/>
-              <a:defRPr sz="4400" b="0" i="0" kern="1200">
-                <a:solidFill>
-                  <a:schemeClr val="tx1"/>
-                </a:solidFill>
-                <a:latin typeface="Futura Light" pitchFamily="2" charset="77"/>
-                <a:ea typeface="+mj-ea"/>
-                <a:cs typeface="+mj-cs"/>
-              </a:defRPr>
-            </a:lvl1pPr>
-          </a:lstStyle>
-          <a:p>
-            <a:r>
-              <a:rPr lang="en-GB" sz="5400" b="1" dirty="0">
-                <a:solidFill>
-                  <a:schemeClr val="bg1"/>
-                </a:solidFill>
-              </a:rPr>
-              <a:t>Deployment</a:t>
-            </a:r>
-            <a:endParaRPr lang="en-US" sz="5400" b="1" dirty="0">
-              <a:solidFill>
-                <a:schemeClr val="bg1"/>
-              </a:solidFill>
-            </a:endParaRPr>
-          </a:p>
-        </p:txBody>
-      </p:sp>
-      <p:pic>
-        <p:nvPicPr>
-          <p:cNvPr id="6" name="Immagine 5">
-            <a:extLst>
-              <a:ext uri="{FF2B5EF4-FFF2-40B4-BE49-F238E27FC236}">
-                <a16:creationId xmlns:a16="http://schemas.microsoft.com/office/drawing/2014/main" id="{717AA61A-617F-5171-4EC1-E7BC6668E9C3}"/>
-              </a:ext>
-            </a:extLst>
-          </p:cNvPr>
-          <p:cNvPicPr>
-            <a:picLocks noChangeAspect="1"/>
-          </p:cNvPicPr>
-          <p:nvPr/>
-        </p:nvPicPr>
-        <p:blipFill>
-          <a:blip r:embed="rId3"/>
-          <a:stretch>
-            <a:fillRect/>
-          </a:stretch>
-        </p:blipFill>
-        <p:spPr>
-          <a:xfrm>
-            <a:off x="1621668" y="1325563"/>
-            <a:ext cx="8948664" cy="5555522"/>
-          </a:xfrm>
-          <a:prstGeom prst="rect">
-            <a:avLst/>
-          </a:prstGeom>
-        </p:spPr>
-      </p:pic>
-    </p:spTree>
-    <p:extLst>
-      <p:ext uri="{BB962C8B-B14F-4D97-AF65-F5344CB8AC3E}">
-        <p14:creationId xmlns:p14="http://schemas.microsoft.com/office/powerpoint/2010/main" val="3795005552"/>
-      </p:ext>
-    </p:extLst>
-  </p:cSld>
-  <p:clrMapOvr>
-    <a:masterClrMapping/>
-  </p:clrMapOvr>
-</p:sld>
-</file>
-
-<file path=ppt/slides/slide11.xml><?xml version="1.0" encoding="utf-8"?>
-<p:sld xmlns:a="http://schemas.openxmlformats.org/drawingml/2006/main" xmlns:r="http://schemas.openxmlformats.org/officeDocument/2006/relationships" xmlns:p="http://schemas.openxmlformats.org/presentationml/2006/main">
-  <p:cSld>
-    <p:spTree>
-      <p:nvGrpSpPr>
-        <p:cNvPr id="1" name=""/>
-        <p:cNvGrpSpPr/>
-        <p:nvPr/>
-      </p:nvGrpSpPr>
-      <p:grpSpPr>
-        <a:xfrm>
-          <a:off x="0" y="0"/>
-          <a:ext cx="0" cy="0"/>
-          <a:chOff x="0" y="0"/>
-          <a:chExt cx="0" cy="0"/>
-        </a:xfrm>
-      </p:grpSpPr>
-      <p:sp>
-        <p:nvSpPr>
           <p:cNvPr id="16" name="Rectangle 15">
             <a:extLst>
               <a:ext uri="{FF2B5EF4-FFF2-40B4-BE49-F238E27FC236}">
@@ -4840,7 +4636,7 @@
 </p:sld>
 </file>
 
-<file path=ppt/slides/slide12.xml><?xml version="1.0" encoding="utf-8"?>
+<file path=ppt/slides/slide11.xml><?xml version="1.0" encoding="utf-8"?>
 <p:sld xmlns:a="http://schemas.openxmlformats.org/drawingml/2006/main" xmlns:r="http://schemas.openxmlformats.org/officeDocument/2006/relationships" xmlns:p="http://schemas.openxmlformats.org/presentationml/2006/main">
   <p:cSld>
     <p:spTree>
@@ -5298,7 +5094,7 @@
 </p:sld>
 </file>
 
-<file path=ppt/slides/slide13.xml><?xml version="1.0" encoding="utf-8"?>
+<file path=ppt/slides/slide12.xml><?xml version="1.0" encoding="utf-8"?>
 <p:sld xmlns:a="http://schemas.openxmlformats.org/drawingml/2006/main" xmlns:r="http://schemas.openxmlformats.org/officeDocument/2006/relationships" xmlns:p="http://schemas.openxmlformats.org/presentationml/2006/main">
   <p:cSld>
     <p:spTree>
@@ -5700,112 +5496,6 @@
           <a:chExt cx="0" cy="0"/>
         </a:xfrm>
       </p:grpSpPr>
-      <p:pic>
-        <p:nvPicPr>
-          <p:cNvPr id="7" name="Immagine 6" descr="01_Polimi_centrato_COL_positivo.eps"/>
-          <p:cNvPicPr>
-            <a:picLocks noChangeAspect="1"/>
-          </p:cNvPicPr>
-          <p:nvPr/>
-        </p:nvPicPr>
-        <p:blipFill>
-          <a:blip r:embed="rId2">
-            <a:extLst>
-              <a:ext uri="{28A0092B-C50C-407E-A947-70E740481C1C}">
-                <a14:useLocalDpi xmlns:a14="http://schemas.microsoft.com/office/drawing/2010/main" val="0"/>
-              </a:ext>
-            </a:extLst>
-          </a:blip>
-          <a:stretch>
-            <a:fillRect/>
-          </a:stretch>
-        </p:blipFill>
-        <p:spPr>
-          <a:xfrm>
-            <a:off x="4667251" y="1721150"/>
-            <a:ext cx="2730901" cy="2126951"/>
-          </a:xfrm>
-          <a:prstGeom prst="rect">
-            <a:avLst/>
-          </a:prstGeom>
-        </p:spPr>
-      </p:pic>
-      <p:sp>
-        <p:nvSpPr>
-          <p:cNvPr id="2" name="Titolo 1"/>
-          <p:cNvSpPr>
-            <a:spLocks noGrp="1"/>
-          </p:cNvSpPr>
-          <p:nvPr>
-            <p:ph type="ctrTitle"/>
-          </p:nvPr>
-        </p:nvSpPr>
-        <p:spPr>
-          <a:xfrm>
-            <a:off x="1524000" y="3848101"/>
-            <a:ext cx="9144000" cy="2387600"/>
-          </a:xfrm>
-        </p:spPr>
-        <p:txBody>
-          <a:bodyPr/>
-          <a:lstStyle/>
-          <a:p>
-            <a:r>
-              <a:rPr lang="it-IT" dirty="0"/>
-              <a:t>RASD&amp;DD</a:t>
-            </a:r>
-          </a:p>
-        </p:txBody>
-      </p:sp>
-      <p:sp>
-        <p:nvSpPr>
-          <p:cNvPr id="3" name="Sottotitolo 2"/>
-          <p:cNvSpPr>
-            <a:spLocks noGrp="1"/>
-          </p:cNvSpPr>
-          <p:nvPr>
-            <p:ph type="subTitle" idx="1"/>
-          </p:nvPr>
-        </p:nvSpPr>
-        <p:spPr/>
-        <p:txBody>
-          <a:bodyPr/>
-          <a:lstStyle/>
-          <a:p>
-            <a:endParaRPr lang="it-IT" dirty="0"/>
-          </a:p>
-        </p:txBody>
-      </p:sp>
-    </p:spTree>
-    <p:extLst>
-      <p:ext uri="{BB962C8B-B14F-4D97-AF65-F5344CB8AC3E}">
-        <p14:creationId xmlns:p14="http://schemas.microsoft.com/office/powerpoint/2010/main" val="498270832"/>
-      </p:ext>
-    </p:extLst>
-  </p:cSld>
-  <p:clrMapOvr>
-    <a:masterClrMapping/>
-  </p:clrMapOvr>
-</p:sld>
-</file>
-
-<file path=ppt/slides/slide3.xml><?xml version="1.0" encoding="utf-8"?>
-<p:sld xmlns:a="http://schemas.openxmlformats.org/drawingml/2006/main" xmlns:r="http://schemas.openxmlformats.org/officeDocument/2006/relationships" xmlns:p="http://schemas.openxmlformats.org/presentationml/2006/main">
-  <p:cSld>
-    <p:spTree>
-      <p:nvGrpSpPr>
-        <p:cNvPr id="1" name=""/>
-        <p:cNvGrpSpPr/>
-        <p:nvPr/>
-      </p:nvGrpSpPr>
-      <p:grpSpPr>
-        <a:xfrm>
-          <a:off x="0" y="0"/>
-          <a:ext cx="0" cy="0"/>
-          <a:chOff x="0" y="0"/>
-          <a:chExt cx="0" cy="0"/>
-        </a:xfrm>
-      </p:grpSpPr>
       <p:sp>
         <p:nvSpPr>
           <p:cNvPr id="9" name="Rectangle 8">
@@ -5957,7 +5647,7 @@
 </p:sld>
 </file>
 
-<file path=ppt/slides/slide4.xml><?xml version="1.0" encoding="utf-8"?>
+<file path=ppt/slides/slide3.xml><?xml version="1.0" encoding="utf-8"?>
 <p:sld xmlns:a="http://schemas.openxmlformats.org/drawingml/2006/main" xmlns:r="http://schemas.openxmlformats.org/officeDocument/2006/relationships" xmlns:p="http://schemas.openxmlformats.org/presentationml/2006/main">
   <p:cSld>
     <p:spTree>
@@ -7267,7 +6957,7 @@
 </p:sld>
 </file>
 
-<file path=ppt/slides/slide5.xml><?xml version="1.0" encoding="utf-8"?>
+<file path=ppt/slides/slide4.xml><?xml version="1.0" encoding="utf-8"?>
 <p:sld xmlns:a="http://schemas.openxmlformats.org/drawingml/2006/main" xmlns:r="http://schemas.openxmlformats.org/officeDocument/2006/relationships" xmlns:p="http://schemas.openxmlformats.org/presentationml/2006/main">
   <p:cSld>
     <p:spTree>
@@ -7850,7 +7540,7 @@
 </p:sld>
 </file>
 
-<file path=ppt/slides/slide6.xml><?xml version="1.0" encoding="utf-8"?>
+<file path=ppt/slides/slide5.xml><?xml version="1.0" encoding="utf-8"?>
 <p:sld xmlns:a="http://schemas.openxmlformats.org/drawingml/2006/main" xmlns:r="http://schemas.openxmlformats.org/officeDocument/2006/relationships" xmlns:p="http://schemas.openxmlformats.org/presentationml/2006/main">
   <p:cSld>
     <p:spTree>
@@ -8426,7 +8116,7 @@
 </p:sld>
 </file>
 
-<file path=ppt/slides/slide7.xml><?xml version="1.0" encoding="utf-8"?>
+<file path=ppt/slides/slide6.xml><?xml version="1.0" encoding="utf-8"?>
 <p:sld xmlns:a="http://schemas.openxmlformats.org/drawingml/2006/main" xmlns:r="http://schemas.openxmlformats.org/officeDocument/2006/relationships" xmlns:p="http://schemas.openxmlformats.org/presentationml/2006/main">
   <p:cSld>
     <p:spTree>
@@ -8601,7 +8291,7 @@
 </p:sld>
 </file>
 
-<file path=ppt/slides/slide8.xml><?xml version="1.0" encoding="utf-8"?>
+<file path=ppt/slides/slide7.xml><?xml version="1.0" encoding="utf-8"?>
 <p:sld xmlns:a="http://schemas.openxmlformats.org/drawingml/2006/main" xmlns:r="http://schemas.openxmlformats.org/officeDocument/2006/relationships" xmlns:p="http://schemas.openxmlformats.org/presentationml/2006/main">
   <p:cSld>
     <p:spTree>
@@ -8776,7 +8466,7 @@
 </p:sld>
 </file>
 
-<file path=ppt/slides/slide9.xml><?xml version="1.0" encoding="utf-8"?>
+<file path=ppt/slides/slide8.xml><?xml version="1.0" encoding="utf-8"?>
 <p:sld xmlns:a="http://schemas.openxmlformats.org/drawingml/2006/main" xmlns:r="http://schemas.openxmlformats.org/officeDocument/2006/relationships" xmlns:p="http://schemas.openxmlformats.org/presentationml/2006/main">
   <p:cSld>
     <p:spTree>
@@ -8924,6 +8614,209 @@
     <p:extLst>
       <p:ext uri="{BB962C8B-B14F-4D97-AF65-F5344CB8AC3E}">
         <p14:creationId xmlns:p14="http://schemas.microsoft.com/office/powerpoint/2010/main" val="2112944223"/>
+      </p:ext>
+    </p:extLst>
+  </p:cSld>
+  <p:clrMapOvr>
+    <a:masterClrMapping/>
+  </p:clrMapOvr>
+</p:sld>
+</file>
+
+<file path=ppt/slides/slide9.xml><?xml version="1.0" encoding="utf-8"?>
+<p:sld xmlns:a="http://schemas.openxmlformats.org/drawingml/2006/main" xmlns:r="http://schemas.openxmlformats.org/officeDocument/2006/relationships" xmlns:p="http://schemas.openxmlformats.org/presentationml/2006/main">
+  <p:cSld>
+    <p:spTree>
+      <p:nvGrpSpPr>
+        <p:cNvPr id="1" name=""/>
+        <p:cNvGrpSpPr/>
+        <p:nvPr/>
+      </p:nvGrpSpPr>
+      <p:grpSpPr>
+        <a:xfrm>
+          <a:off x="0" y="0"/>
+          <a:ext cx="0" cy="0"/>
+          <a:chOff x="0" y="0"/>
+          <a:chExt cx="0" cy="0"/>
+        </a:xfrm>
+      </p:grpSpPr>
+      <p:sp>
+        <p:nvSpPr>
+          <p:cNvPr id="2" name="Title 1">
+            <a:extLst>
+              <a:ext uri="{FF2B5EF4-FFF2-40B4-BE49-F238E27FC236}">
+                <a16:creationId xmlns:a16="http://schemas.microsoft.com/office/drawing/2014/main" id="{3820A429-5ECD-EC4A-B430-BC96EE2088AE}"/>
+              </a:ext>
+            </a:extLst>
+          </p:cNvPr>
+          <p:cNvSpPr>
+            <a:spLocks noGrp="1"/>
+          </p:cNvSpPr>
+          <p:nvPr>
+            <p:ph type="title"/>
+          </p:nvPr>
+        </p:nvSpPr>
+        <p:spPr/>
+        <p:txBody>
+          <a:bodyPr/>
+          <a:lstStyle/>
+          <a:p>
+            <a:r>
+              <a:rPr lang="en-US" dirty="0"/>
+              <a:t>Deployment architecture</a:t>
+            </a:r>
+          </a:p>
+        </p:txBody>
+      </p:sp>
+      <p:sp>
+        <p:nvSpPr>
+          <p:cNvPr id="16" name="Rectangle 15">
+            <a:extLst>
+              <a:ext uri="{FF2B5EF4-FFF2-40B4-BE49-F238E27FC236}">
+                <a16:creationId xmlns:a16="http://schemas.microsoft.com/office/drawing/2014/main" id="{D36ED0B8-3843-444A-802E-5438D1F2020A}"/>
+              </a:ext>
+            </a:extLst>
+          </p:cNvPr>
+          <p:cNvSpPr/>
+          <p:nvPr/>
+        </p:nvSpPr>
+        <p:spPr>
+          <a:xfrm>
+            <a:off x="0" y="0"/>
+            <a:ext cx="12192000" cy="1325563"/>
+          </a:xfrm>
+          <a:prstGeom prst="rect">
+            <a:avLst/>
+          </a:prstGeom>
+          <a:solidFill>
+            <a:srgbClr val="728FA5"/>
+          </a:solidFill>
+          <a:ln>
+            <a:noFill/>
+          </a:ln>
+        </p:spPr>
+        <p:style>
+          <a:lnRef idx="2">
+            <a:schemeClr val="accent1">
+              <a:shade val="50000"/>
+            </a:schemeClr>
+          </a:lnRef>
+          <a:fillRef idx="1">
+            <a:schemeClr val="accent1"/>
+          </a:fillRef>
+          <a:effectRef idx="0">
+            <a:schemeClr val="accent1"/>
+          </a:effectRef>
+          <a:fontRef idx="minor">
+            <a:schemeClr val="lt1"/>
+          </a:fontRef>
+        </p:style>
+        <p:txBody>
+          <a:bodyPr rtlCol="0" anchor="ctr"/>
+          <a:lstStyle/>
+          <a:p>
+            <a:pPr algn="ctr"/>
+            <a:endParaRPr lang="en-US"/>
+          </a:p>
+        </p:txBody>
+      </p:sp>
+      <p:sp>
+        <p:nvSpPr>
+          <p:cNvPr id="17" name="Title 1">
+            <a:extLst>
+              <a:ext uri="{FF2B5EF4-FFF2-40B4-BE49-F238E27FC236}">
+                <a16:creationId xmlns:a16="http://schemas.microsoft.com/office/drawing/2014/main" id="{014DF31C-EDBD-BF46-B682-2F64B833DAA9}"/>
+              </a:ext>
+            </a:extLst>
+          </p:cNvPr>
+          <p:cNvSpPr txBox="1">
+            <a:spLocks/>
+          </p:cNvSpPr>
+          <p:nvPr/>
+        </p:nvSpPr>
+        <p:spPr>
+          <a:xfrm>
+            <a:off x="285939" y="0"/>
+            <a:ext cx="10515600" cy="1325563"/>
+          </a:xfrm>
+          <a:prstGeom prst="rect">
+            <a:avLst/>
+          </a:prstGeom>
+        </p:spPr>
+        <p:txBody>
+          <a:bodyPr vert="horz" lIns="91440" tIns="45720" rIns="91440" bIns="45720" rtlCol="0" anchor="ctr">
+            <a:normAutofit/>
+          </a:bodyPr>
+          <a:lstStyle>
+            <a:lvl1pPr algn="l" defTabSz="914400" rtl="0" eaLnBrk="1" latinLnBrk="0" hangingPunct="1">
+              <a:lnSpc>
+                <a:spcPct val="90000"/>
+              </a:lnSpc>
+              <a:spcBef>
+                <a:spcPct val="0"/>
+              </a:spcBef>
+              <a:buNone/>
+              <a:defRPr sz="4400" b="0" i="0" kern="1200">
+                <a:solidFill>
+                  <a:schemeClr val="tx1"/>
+                </a:solidFill>
+                <a:latin typeface="Futura Light" pitchFamily="2" charset="77"/>
+                <a:ea typeface="+mj-ea"/>
+                <a:cs typeface="+mj-cs"/>
+              </a:defRPr>
+            </a:lvl1pPr>
+          </a:lstStyle>
+          <a:p>
+            <a:r>
+              <a:rPr lang="en-GB" sz="5400" b="1" dirty="0">
+                <a:solidFill>
+                  <a:schemeClr val="bg1"/>
+                </a:solidFill>
+              </a:rPr>
+              <a:t>Deployment</a:t>
+            </a:r>
+            <a:endParaRPr lang="en-US" sz="5400" b="1" dirty="0">
+              <a:solidFill>
+                <a:schemeClr val="bg1"/>
+              </a:solidFill>
+            </a:endParaRPr>
+          </a:p>
+        </p:txBody>
+      </p:sp>
+      <p:pic>
+        <p:nvPicPr>
+          <p:cNvPr id="6" name="Immagine 5">
+            <a:extLst>
+              <a:ext uri="{FF2B5EF4-FFF2-40B4-BE49-F238E27FC236}">
+                <a16:creationId xmlns:a16="http://schemas.microsoft.com/office/drawing/2014/main" id="{717AA61A-617F-5171-4EC1-E7BC6668E9C3}"/>
+              </a:ext>
+            </a:extLst>
+          </p:cNvPr>
+          <p:cNvPicPr>
+            <a:picLocks noChangeAspect="1"/>
+          </p:cNvPicPr>
+          <p:nvPr/>
+        </p:nvPicPr>
+        <p:blipFill>
+          <a:blip r:embed="rId3"/>
+          <a:stretch>
+            <a:fillRect/>
+          </a:stretch>
+        </p:blipFill>
+        <p:spPr>
+          <a:xfrm>
+            <a:off x="1621668" y="1325563"/>
+            <a:ext cx="8948664" cy="5555522"/>
+          </a:xfrm>
+          <a:prstGeom prst="rect">
+            <a:avLst/>
+          </a:prstGeom>
+        </p:spPr>
+      </p:pic>
+    </p:spTree>
+    <p:extLst>
+      <p:ext uri="{BB962C8B-B14F-4D97-AF65-F5344CB8AC3E}">
+        <p14:creationId xmlns:p14="http://schemas.microsoft.com/office/powerpoint/2010/main" val="3795005552"/>
       </p:ext>
     </p:extLst>
   </p:cSld>

--- a/Presentation.pptx
+++ b/Presentation.pptx
@@ -4831,10 +4831,24 @@
           </a:p>
           <a:p>
             <a:r>
+              <a:rPr lang="en-US" b="1" dirty="0">
+                <a:latin typeface="Futura Light" pitchFamily="2" charset="77"/>
+              </a:rPr>
+              <a:t>Bottom-up</a:t>
+            </a:r>
+            <a:r>
               <a:rPr lang="en-US" dirty="0">
                 <a:latin typeface="Futura Light" pitchFamily="2" charset="77"/>
               </a:rPr>
-              <a:t>Bottom-up strategy</a:t>
+              <a:t> strategy</a:t>
+            </a:r>
+          </a:p>
+          <a:p>
+            <a:r>
+              <a:rPr lang="en-US" dirty="0">
+                <a:latin typeface="Futura Light" pitchFamily="2" charset="77"/>
+              </a:rPr>
+              <a:t>Unit test in each subsystem</a:t>
             </a:r>
           </a:p>
           <a:p>
@@ -4850,7 +4864,7 @@
               <a:rPr lang="en-US" dirty="0">
                 <a:latin typeface="Futura Light" pitchFamily="2" charset="77"/>
               </a:rPr>
-              <a:t>Unit test in each subsystem</a:t>
+              <a:t>System integration</a:t>
             </a:r>
           </a:p>
           <a:p>
@@ -4911,186 +4925,6 @@
   <p:clrMapOvr>
     <a:masterClrMapping/>
   </p:clrMapOvr>
-  <p:timing>
-    <p:tnLst>
-      <p:par>
-        <p:cTn id="1" dur="indefinite" restart="never" nodeType="tmRoot">
-          <p:childTnLst>
-            <p:seq concurrent="1" nextAc="seek">
-              <p:cTn id="2" dur="indefinite" nodeType="mainSeq">
-                <p:childTnLst>
-                  <p:par>
-                    <p:cTn id="3" fill="hold">
-                      <p:stCondLst>
-                        <p:cond delay="indefinite"/>
-                      </p:stCondLst>
-                      <p:childTnLst>
-                        <p:par>
-                          <p:cTn id="4" fill="hold">
-                            <p:stCondLst>
-                              <p:cond delay="0"/>
-                            </p:stCondLst>
-                            <p:childTnLst>
-                              <p:par>
-                                <p:cTn id="5" presetID="1" presetClass="entr" presetSubtype="0" fill="hold" grpId="0" nodeType="clickEffect">
-                                  <p:stCondLst>
-                                    <p:cond delay="0"/>
-                                  </p:stCondLst>
-                                  <p:childTnLst>
-                                    <p:set>
-                                      <p:cBhvr>
-                                        <p:cTn id="6" dur="1" fill="hold">
-                                          <p:stCondLst>
-                                            <p:cond delay="0"/>
-                                          </p:stCondLst>
-                                        </p:cTn>
-                                        <p:tgtEl>
-                                          <p:spTgt spid="3">
-                                            <p:txEl>
-                                              <p:pRg st="1" end="1"/>
-                                            </p:txEl>
-                                          </p:spTgt>
-                                        </p:tgtEl>
-                                        <p:attrNameLst>
-                                          <p:attrName>style.visibility</p:attrName>
-                                        </p:attrNameLst>
-                                      </p:cBhvr>
-                                      <p:to>
-                                        <p:strVal val="visible"/>
-                                      </p:to>
-                                    </p:set>
-                                  </p:childTnLst>
-                                </p:cTn>
-                              </p:par>
-                            </p:childTnLst>
-                          </p:cTn>
-                        </p:par>
-                      </p:childTnLst>
-                    </p:cTn>
-                  </p:par>
-                  <p:par>
-                    <p:cTn id="7" fill="hold">
-                      <p:stCondLst>
-                        <p:cond delay="indefinite"/>
-                      </p:stCondLst>
-                      <p:childTnLst>
-                        <p:par>
-                          <p:cTn id="8" fill="hold">
-                            <p:stCondLst>
-                              <p:cond delay="0"/>
-                            </p:stCondLst>
-                            <p:childTnLst>
-                              <p:par>
-                                <p:cTn id="9" presetID="1" presetClass="entr" presetSubtype="0" fill="hold" grpId="0" nodeType="clickEffect">
-                                  <p:stCondLst>
-                                    <p:cond delay="0"/>
-                                  </p:stCondLst>
-                                  <p:childTnLst>
-                                    <p:set>
-                                      <p:cBhvr>
-                                        <p:cTn id="10" dur="1" fill="hold">
-                                          <p:stCondLst>
-                                            <p:cond delay="0"/>
-                                          </p:stCondLst>
-                                        </p:cTn>
-                                        <p:tgtEl>
-                                          <p:spTgt spid="3">
-                                            <p:txEl>
-                                              <p:pRg st="2" end="2"/>
-                                            </p:txEl>
-                                          </p:spTgt>
-                                        </p:tgtEl>
-                                        <p:attrNameLst>
-                                          <p:attrName>style.visibility</p:attrName>
-                                        </p:attrNameLst>
-                                      </p:cBhvr>
-                                      <p:to>
-                                        <p:strVal val="visible"/>
-                                      </p:to>
-                                    </p:set>
-                                  </p:childTnLst>
-                                </p:cTn>
-                              </p:par>
-                            </p:childTnLst>
-                          </p:cTn>
-                        </p:par>
-                      </p:childTnLst>
-                    </p:cTn>
-                  </p:par>
-                  <p:par>
-                    <p:cTn id="11" fill="hold">
-                      <p:stCondLst>
-                        <p:cond delay="indefinite"/>
-                      </p:stCondLst>
-                      <p:childTnLst>
-                        <p:par>
-                          <p:cTn id="12" fill="hold">
-                            <p:stCondLst>
-                              <p:cond delay="0"/>
-                            </p:stCondLst>
-                            <p:childTnLst>
-                              <p:par>
-                                <p:cTn id="13" presetID="1" presetClass="entr" presetSubtype="0" fill="hold" grpId="0" nodeType="clickEffect">
-                                  <p:stCondLst>
-                                    <p:cond delay="0"/>
-                                  </p:stCondLst>
-                                  <p:childTnLst>
-                                    <p:set>
-                                      <p:cBhvr>
-                                        <p:cTn id="14" dur="1" fill="hold">
-                                          <p:stCondLst>
-                                            <p:cond delay="0"/>
-                                          </p:stCondLst>
-                                        </p:cTn>
-                                        <p:tgtEl>
-                                          <p:spTgt spid="3">
-                                            <p:txEl>
-                                              <p:pRg st="3" end="3"/>
-                                            </p:txEl>
-                                          </p:spTgt>
-                                        </p:tgtEl>
-                                        <p:attrNameLst>
-                                          <p:attrName>style.visibility</p:attrName>
-                                        </p:attrNameLst>
-                                      </p:cBhvr>
-                                      <p:to>
-                                        <p:strVal val="visible"/>
-                                      </p:to>
-                                    </p:set>
-                                  </p:childTnLst>
-                                </p:cTn>
-                              </p:par>
-                            </p:childTnLst>
-                          </p:cTn>
-                        </p:par>
-                      </p:childTnLst>
-                    </p:cTn>
-                  </p:par>
-                </p:childTnLst>
-              </p:cTn>
-              <p:prevCondLst>
-                <p:cond evt="onPrev" delay="0">
-                  <p:tgtEl>
-                    <p:sldTgt/>
-                  </p:tgtEl>
-                </p:cond>
-              </p:prevCondLst>
-              <p:nextCondLst>
-                <p:cond evt="onNext" delay="0">
-                  <p:tgtEl>
-                    <p:sldTgt/>
-                  </p:tgtEl>
-                </p:cond>
-              </p:nextCondLst>
-            </p:seq>
-          </p:childTnLst>
-        </p:cTn>
-      </p:par>
-    </p:tnLst>
-    <p:bldLst>
-      <p:bldP spid="3" grpId="0" build="p"/>
-    </p:bldLst>
-  </p:timing>
 </p:sld>
 </file>
 
@@ -5778,7 +5612,7 @@
         </p:nvSpPr>
         <p:spPr>
           <a:xfrm>
-            <a:off x="280416" y="2358141"/>
+            <a:off x="280416" y="2200925"/>
             <a:ext cx="3877056" cy="4297680"/>
           </a:xfrm>
         </p:spPr>
@@ -5807,7 +5641,18 @@
               <a:rPr lang="en-US" dirty="0">
                 <a:latin typeface="Futura Light" pitchFamily="2" charset="77"/>
               </a:rPr>
-              <a:t>Location, price and offers</a:t>
+              <a:t>Location, price </a:t>
+            </a:r>
+          </a:p>
+          <a:p>
+            <a:pPr marL="0" indent="0">
+              <a:buNone/>
+            </a:pPr>
+            <a:r>
+              <a:rPr lang="en-US" dirty="0">
+                <a:latin typeface="Futura Light" pitchFamily="2" charset="77"/>
+              </a:rPr>
+              <a:t>  and offers</a:t>
             </a:r>
           </a:p>
           <a:p>
@@ -5860,7 +5705,7 @@
         </p:nvSpPr>
         <p:spPr>
           <a:xfrm>
-            <a:off x="8159496" y="2373268"/>
+            <a:off x="8034528" y="2235942"/>
             <a:ext cx="3877056" cy="4297680"/>
           </a:xfrm>
           <a:prstGeom prst="rect">
@@ -6098,7 +5943,7 @@
         </p:nvSpPr>
         <p:spPr>
           <a:xfrm>
-            <a:off x="4157472" y="2364124"/>
+            <a:off x="4157472" y="2235942"/>
             <a:ext cx="3877056" cy="4297680"/>
           </a:xfrm>
           <a:prstGeom prst="rect">
@@ -6331,629 +6176,6 @@
   <p:clrMapOvr>
     <a:masterClrMapping/>
   </p:clrMapOvr>
-  <p:timing>
-    <p:tnLst>
-      <p:par>
-        <p:cTn id="1" dur="indefinite" restart="never" nodeType="tmRoot">
-          <p:childTnLst>
-            <p:seq concurrent="1" nextAc="seek">
-              <p:cTn id="2" dur="indefinite" nodeType="mainSeq">
-                <p:childTnLst>
-                  <p:par>
-                    <p:cTn id="3" fill="hold">
-                      <p:stCondLst>
-                        <p:cond delay="indefinite"/>
-                      </p:stCondLst>
-                      <p:childTnLst>
-                        <p:par>
-                          <p:cTn id="4" fill="hold">
-                            <p:stCondLst>
-                              <p:cond delay="0"/>
-                            </p:stCondLst>
-                            <p:childTnLst>
-                              <p:par>
-                                <p:cTn id="5" presetID="1" presetClass="entr" presetSubtype="0" fill="hold" grpId="0" nodeType="clickEffect">
-                                  <p:stCondLst>
-                                    <p:cond delay="0"/>
-                                  </p:stCondLst>
-                                  <p:childTnLst>
-                                    <p:set>
-                                      <p:cBhvr>
-                                        <p:cTn id="6" dur="1" fill="hold">
-                                          <p:stCondLst>
-                                            <p:cond delay="0"/>
-                                          </p:stCondLst>
-                                        </p:cTn>
-                                        <p:tgtEl>
-                                          <p:spTgt spid="5">
-                                            <p:txEl>
-                                              <p:pRg st="0" end="0"/>
-                                            </p:txEl>
-                                          </p:spTgt>
-                                        </p:tgtEl>
-                                        <p:attrNameLst>
-                                          <p:attrName>style.visibility</p:attrName>
-                                        </p:attrNameLst>
-                                      </p:cBhvr>
-                                      <p:to>
-                                        <p:strVal val="visible"/>
-                                      </p:to>
-                                    </p:set>
-                                  </p:childTnLst>
-                                </p:cTn>
-                              </p:par>
-                            </p:childTnLst>
-                          </p:cTn>
-                        </p:par>
-                      </p:childTnLst>
-                    </p:cTn>
-                  </p:par>
-                  <p:par>
-                    <p:cTn id="7" fill="hold">
-                      <p:stCondLst>
-                        <p:cond delay="indefinite"/>
-                      </p:stCondLst>
-                      <p:childTnLst>
-                        <p:par>
-                          <p:cTn id="8" fill="hold">
-                            <p:stCondLst>
-                              <p:cond delay="0"/>
-                            </p:stCondLst>
-                            <p:childTnLst>
-                              <p:par>
-                                <p:cTn id="9" presetID="1" presetClass="entr" presetSubtype="0" fill="hold" grpId="0" nodeType="clickEffect">
-                                  <p:stCondLst>
-                                    <p:cond delay="0"/>
-                                  </p:stCondLst>
-                                  <p:childTnLst>
-                                    <p:set>
-                                      <p:cBhvr>
-                                        <p:cTn id="10" dur="1" fill="hold">
-                                          <p:stCondLst>
-                                            <p:cond delay="0"/>
-                                          </p:stCondLst>
-                                        </p:cTn>
-                                        <p:tgtEl>
-                                          <p:spTgt spid="5">
-                                            <p:txEl>
-                                              <p:pRg st="2" end="2"/>
-                                            </p:txEl>
-                                          </p:spTgt>
-                                        </p:tgtEl>
-                                        <p:attrNameLst>
-                                          <p:attrName>style.visibility</p:attrName>
-                                        </p:attrNameLst>
-                                      </p:cBhvr>
-                                      <p:to>
-                                        <p:strVal val="visible"/>
-                                      </p:to>
-                                    </p:set>
-                                  </p:childTnLst>
-                                </p:cTn>
-                              </p:par>
-                            </p:childTnLst>
-                          </p:cTn>
-                        </p:par>
-                      </p:childTnLst>
-                    </p:cTn>
-                  </p:par>
-                  <p:par>
-                    <p:cTn id="11" fill="hold">
-                      <p:stCondLst>
-                        <p:cond delay="indefinite"/>
-                      </p:stCondLst>
-                      <p:childTnLst>
-                        <p:par>
-                          <p:cTn id="12" fill="hold">
-                            <p:stCondLst>
-                              <p:cond delay="0"/>
-                            </p:stCondLst>
-                            <p:childTnLst>
-                              <p:par>
-                                <p:cTn id="13" presetID="1" presetClass="entr" presetSubtype="0" fill="hold" grpId="0" nodeType="clickEffect">
-                                  <p:stCondLst>
-                                    <p:cond delay="0"/>
-                                  </p:stCondLst>
-                                  <p:childTnLst>
-                                    <p:set>
-                                      <p:cBhvr>
-                                        <p:cTn id="14" dur="1" fill="hold">
-                                          <p:stCondLst>
-                                            <p:cond delay="0"/>
-                                          </p:stCondLst>
-                                        </p:cTn>
-                                        <p:tgtEl>
-                                          <p:spTgt spid="5">
-                                            <p:txEl>
-                                              <p:pRg st="3" end="3"/>
-                                            </p:txEl>
-                                          </p:spTgt>
-                                        </p:tgtEl>
-                                        <p:attrNameLst>
-                                          <p:attrName>style.visibility</p:attrName>
-                                        </p:attrNameLst>
-                                      </p:cBhvr>
-                                      <p:to>
-                                        <p:strVal val="visible"/>
-                                      </p:to>
-                                    </p:set>
-                                  </p:childTnLst>
-                                </p:cTn>
-                              </p:par>
-                            </p:childTnLst>
-                          </p:cTn>
-                        </p:par>
-                      </p:childTnLst>
-                    </p:cTn>
-                  </p:par>
-                  <p:par>
-                    <p:cTn id="15" fill="hold">
-                      <p:stCondLst>
-                        <p:cond delay="indefinite"/>
-                      </p:stCondLst>
-                      <p:childTnLst>
-                        <p:par>
-                          <p:cTn id="16" fill="hold">
-                            <p:stCondLst>
-                              <p:cond delay="0"/>
-                            </p:stCondLst>
-                            <p:childTnLst>
-                              <p:par>
-                                <p:cTn id="17" presetID="1" presetClass="entr" presetSubtype="0" fill="hold" grpId="0" nodeType="clickEffect">
-                                  <p:stCondLst>
-                                    <p:cond delay="0"/>
-                                  </p:stCondLst>
-                                  <p:childTnLst>
-                                    <p:set>
-                                      <p:cBhvr>
-                                        <p:cTn id="18" dur="1" fill="hold">
-                                          <p:stCondLst>
-                                            <p:cond delay="0"/>
-                                          </p:stCondLst>
-                                        </p:cTn>
-                                        <p:tgtEl>
-                                          <p:spTgt spid="5">
-                                            <p:txEl>
-                                              <p:pRg st="4" end="4"/>
-                                            </p:txEl>
-                                          </p:spTgt>
-                                        </p:tgtEl>
-                                        <p:attrNameLst>
-                                          <p:attrName>style.visibility</p:attrName>
-                                        </p:attrNameLst>
-                                      </p:cBhvr>
-                                      <p:to>
-                                        <p:strVal val="visible"/>
-                                      </p:to>
-                                    </p:set>
-                                  </p:childTnLst>
-                                </p:cTn>
-                              </p:par>
-                            </p:childTnLst>
-                          </p:cTn>
-                        </p:par>
-                      </p:childTnLst>
-                    </p:cTn>
-                  </p:par>
-                  <p:par>
-                    <p:cTn id="19" fill="hold">
-                      <p:stCondLst>
-                        <p:cond delay="indefinite"/>
-                      </p:stCondLst>
-                      <p:childTnLst>
-                        <p:par>
-                          <p:cTn id="20" fill="hold">
-                            <p:stCondLst>
-                              <p:cond delay="0"/>
-                            </p:stCondLst>
-                            <p:childTnLst>
-                              <p:par>
-                                <p:cTn id="21" presetID="1" presetClass="entr" presetSubtype="0" fill="hold" grpId="0" nodeType="clickEffect">
-                                  <p:stCondLst>
-                                    <p:cond delay="0"/>
-                                  </p:stCondLst>
-                                  <p:childTnLst>
-                                    <p:set>
-                                      <p:cBhvr>
-                                        <p:cTn id="22" dur="1" fill="hold">
-                                          <p:stCondLst>
-                                            <p:cond delay="0"/>
-                                          </p:stCondLst>
-                                        </p:cTn>
-                                        <p:tgtEl>
-                                          <p:spTgt spid="9">
-                                            <p:txEl>
-                                              <p:pRg st="0" end="0"/>
-                                            </p:txEl>
-                                          </p:spTgt>
-                                        </p:tgtEl>
-                                        <p:attrNameLst>
-                                          <p:attrName>style.visibility</p:attrName>
-                                        </p:attrNameLst>
-                                      </p:cBhvr>
-                                      <p:to>
-                                        <p:strVal val="visible"/>
-                                      </p:to>
-                                    </p:set>
-                                  </p:childTnLst>
-                                </p:cTn>
-                              </p:par>
-                            </p:childTnLst>
-                          </p:cTn>
-                        </p:par>
-                      </p:childTnLst>
-                    </p:cTn>
-                  </p:par>
-                  <p:par>
-                    <p:cTn id="23" fill="hold">
-                      <p:stCondLst>
-                        <p:cond delay="indefinite"/>
-                      </p:stCondLst>
-                      <p:childTnLst>
-                        <p:par>
-                          <p:cTn id="24" fill="hold">
-                            <p:stCondLst>
-                              <p:cond delay="0"/>
-                            </p:stCondLst>
-                            <p:childTnLst>
-                              <p:par>
-                                <p:cTn id="25" presetID="1" presetClass="entr" presetSubtype="0" fill="hold" grpId="0" nodeType="clickEffect">
-                                  <p:stCondLst>
-                                    <p:cond delay="0"/>
-                                  </p:stCondLst>
-                                  <p:childTnLst>
-                                    <p:set>
-                                      <p:cBhvr>
-                                        <p:cTn id="26" dur="1" fill="hold">
-                                          <p:stCondLst>
-                                            <p:cond delay="0"/>
-                                          </p:stCondLst>
-                                        </p:cTn>
-                                        <p:tgtEl>
-                                          <p:spTgt spid="9">
-                                            <p:txEl>
-                                              <p:pRg st="2" end="2"/>
-                                            </p:txEl>
-                                          </p:spTgt>
-                                        </p:tgtEl>
-                                        <p:attrNameLst>
-                                          <p:attrName>style.visibility</p:attrName>
-                                        </p:attrNameLst>
-                                      </p:cBhvr>
-                                      <p:to>
-                                        <p:strVal val="visible"/>
-                                      </p:to>
-                                    </p:set>
-                                  </p:childTnLst>
-                                </p:cTn>
-                              </p:par>
-                            </p:childTnLst>
-                          </p:cTn>
-                        </p:par>
-                      </p:childTnLst>
-                    </p:cTn>
-                  </p:par>
-                  <p:par>
-                    <p:cTn id="27" fill="hold">
-                      <p:stCondLst>
-                        <p:cond delay="indefinite"/>
-                      </p:stCondLst>
-                      <p:childTnLst>
-                        <p:par>
-                          <p:cTn id="28" fill="hold">
-                            <p:stCondLst>
-                              <p:cond delay="0"/>
-                            </p:stCondLst>
-                            <p:childTnLst>
-                              <p:par>
-                                <p:cTn id="29" presetID="1" presetClass="entr" presetSubtype="0" fill="hold" grpId="0" nodeType="clickEffect">
-                                  <p:stCondLst>
-                                    <p:cond delay="0"/>
-                                  </p:stCondLst>
-                                  <p:childTnLst>
-                                    <p:set>
-                                      <p:cBhvr>
-                                        <p:cTn id="30" dur="1" fill="hold">
-                                          <p:stCondLst>
-                                            <p:cond delay="0"/>
-                                          </p:stCondLst>
-                                        </p:cTn>
-                                        <p:tgtEl>
-                                          <p:spTgt spid="9">
-                                            <p:txEl>
-                                              <p:pRg st="3" end="3"/>
-                                            </p:txEl>
-                                          </p:spTgt>
-                                        </p:tgtEl>
-                                        <p:attrNameLst>
-                                          <p:attrName>style.visibility</p:attrName>
-                                        </p:attrNameLst>
-                                      </p:cBhvr>
-                                      <p:to>
-                                        <p:strVal val="visible"/>
-                                      </p:to>
-                                    </p:set>
-                                  </p:childTnLst>
-                                </p:cTn>
-                              </p:par>
-                            </p:childTnLst>
-                          </p:cTn>
-                        </p:par>
-                      </p:childTnLst>
-                    </p:cTn>
-                  </p:par>
-                  <p:par>
-                    <p:cTn id="31" fill="hold">
-                      <p:stCondLst>
-                        <p:cond delay="indefinite"/>
-                      </p:stCondLst>
-                      <p:childTnLst>
-                        <p:par>
-                          <p:cTn id="32" fill="hold">
-                            <p:stCondLst>
-                              <p:cond delay="0"/>
-                            </p:stCondLst>
-                            <p:childTnLst>
-                              <p:par>
-                                <p:cTn id="33" presetID="1" presetClass="entr" presetSubtype="0" fill="hold" grpId="0" nodeType="clickEffect">
-                                  <p:stCondLst>
-                                    <p:cond delay="0"/>
-                                  </p:stCondLst>
-                                  <p:childTnLst>
-                                    <p:set>
-                                      <p:cBhvr>
-                                        <p:cTn id="34" dur="1" fill="hold">
-                                          <p:stCondLst>
-                                            <p:cond delay="0"/>
-                                          </p:stCondLst>
-                                        </p:cTn>
-                                        <p:tgtEl>
-                                          <p:spTgt spid="9">
-                                            <p:txEl>
-                                              <p:pRg st="4" end="4"/>
-                                            </p:txEl>
-                                          </p:spTgt>
-                                        </p:tgtEl>
-                                        <p:attrNameLst>
-                                          <p:attrName>style.visibility</p:attrName>
-                                        </p:attrNameLst>
-                                      </p:cBhvr>
-                                      <p:to>
-                                        <p:strVal val="visible"/>
-                                      </p:to>
-                                    </p:set>
-                                  </p:childTnLst>
-                                </p:cTn>
-                              </p:par>
-                            </p:childTnLst>
-                          </p:cTn>
-                        </p:par>
-                      </p:childTnLst>
-                    </p:cTn>
-                  </p:par>
-                  <p:par>
-                    <p:cTn id="35" fill="hold">
-                      <p:stCondLst>
-                        <p:cond delay="indefinite"/>
-                      </p:stCondLst>
-                      <p:childTnLst>
-                        <p:par>
-                          <p:cTn id="36" fill="hold">
-                            <p:stCondLst>
-                              <p:cond delay="0"/>
-                            </p:stCondLst>
-                            <p:childTnLst>
-                              <p:par>
-                                <p:cTn id="37" presetID="1" presetClass="entr" presetSubtype="0" fill="hold" grpId="0" nodeType="clickEffect">
-                                  <p:stCondLst>
-                                    <p:cond delay="0"/>
-                                  </p:stCondLst>
-                                  <p:childTnLst>
-                                    <p:set>
-                                      <p:cBhvr>
-                                        <p:cTn id="38" dur="1" fill="hold">
-                                          <p:stCondLst>
-                                            <p:cond delay="0"/>
-                                          </p:stCondLst>
-                                        </p:cTn>
-                                        <p:tgtEl>
-                                          <p:spTgt spid="8">
-                                            <p:txEl>
-                                              <p:pRg st="0" end="0"/>
-                                            </p:txEl>
-                                          </p:spTgt>
-                                        </p:tgtEl>
-                                        <p:attrNameLst>
-                                          <p:attrName>style.visibility</p:attrName>
-                                        </p:attrNameLst>
-                                      </p:cBhvr>
-                                      <p:to>
-                                        <p:strVal val="visible"/>
-                                      </p:to>
-                                    </p:set>
-                                  </p:childTnLst>
-                                </p:cTn>
-                              </p:par>
-                            </p:childTnLst>
-                          </p:cTn>
-                        </p:par>
-                      </p:childTnLst>
-                    </p:cTn>
-                  </p:par>
-                  <p:par>
-                    <p:cTn id="39" fill="hold">
-                      <p:stCondLst>
-                        <p:cond delay="indefinite"/>
-                      </p:stCondLst>
-                      <p:childTnLst>
-                        <p:par>
-                          <p:cTn id="40" fill="hold">
-                            <p:stCondLst>
-                              <p:cond delay="0"/>
-                            </p:stCondLst>
-                            <p:childTnLst>
-                              <p:par>
-                                <p:cTn id="41" presetID="1" presetClass="entr" presetSubtype="0" fill="hold" grpId="0" nodeType="clickEffect">
-                                  <p:stCondLst>
-                                    <p:cond delay="0"/>
-                                  </p:stCondLst>
-                                  <p:childTnLst>
-                                    <p:set>
-                                      <p:cBhvr>
-                                        <p:cTn id="42" dur="1" fill="hold">
-                                          <p:stCondLst>
-                                            <p:cond delay="0"/>
-                                          </p:stCondLst>
-                                        </p:cTn>
-                                        <p:tgtEl>
-                                          <p:spTgt spid="8">
-                                            <p:txEl>
-                                              <p:pRg st="2" end="2"/>
-                                            </p:txEl>
-                                          </p:spTgt>
-                                        </p:tgtEl>
-                                        <p:attrNameLst>
-                                          <p:attrName>style.visibility</p:attrName>
-                                        </p:attrNameLst>
-                                      </p:cBhvr>
-                                      <p:to>
-                                        <p:strVal val="visible"/>
-                                      </p:to>
-                                    </p:set>
-                                  </p:childTnLst>
-                                </p:cTn>
-                              </p:par>
-                            </p:childTnLst>
-                          </p:cTn>
-                        </p:par>
-                      </p:childTnLst>
-                    </p:cTn>
-                  </p:par>
-                  <p:par>
-                    <p:cTn id="43" fill="hold">
-                      <p:stCondLst>
-                        <p:cond delay="indefinite"/>
-                      </p:stCondLst>
-                      <p:childTnLst>
-                        <p:par>
-                          <p:cTn id="44" fill="hold">
-                            <p:stCondLst>
-                              <p:cond delay="0"/>
-                            </p:stCondLst>
-                            <p:childTnLst>
-                              <p:par>
-                                <p:cTn id="45" presetID="1" presetClass="entr" presetSubtype="0" fill="hold" grpId="0" nodeType="clickEffect">
-                                  <p:stCondLst>
-                                    <p:cond delay="0"/>
-                                  </p:stCondLst>
-                                  <p:childTnLst>
-                                    <p:set>
-                                      <p:cBhvr>
-                                        <p:cTn id="46" dur="1" fill="hold">
-                                          <p:stCondLst>
-                                            <p:cond delay="0"/>
-                                          </p:stCondLst>
-                                        </p:cTn>
-                                        <p:tgtEl>
-                                          <p:spTgt spid="8">
-                                            <p:txEl>
-                                              <p:pRg st="3" end="3"/>
-                                            </p:txEl>
-                                          </p:spTgt>
-                                        </p:tgtEl>
-                                        <p:attrNameLst>
-                                          <p:attrName>style.visibility</p:attrName>
-                                        </p:attrNameLst>
-                                      </p:cBhvr>
-                                      <p:to>
-                                        <p:strVal val="visible"/>
-                                      </p:to>
-                                    </p:set>
-                                  </p:childTnLst>
-                                </p:cTn>
-                              </p:par>
-                            </p:childTnLst>
-                          </p:cTn>
-                        </p:par>
-                      </p:childTnLst>
-                    </p:cTn>
-                  </p:par>
-                  <p:par>
-                    <p:cTn id="47" fill="hold">
-                      <p:stCondLst>
-                        <p:cond delay="indefinite"/>
-                      </p:stCondLst>
-                      <p:childTnLst>
-                        <p:par>
-                          <p:cTn id="48" fill="hold">
-                            <p:stCondLst>
-                              <p:cond delay="0"/>
-                            </p:stCondLst>
-                            <p:childTnLst>
-                              <p:par>
-                                <p:cTn id="49" presetID="1" presetClass="entr" presetSubtype="0" fill="hold" grpId="0" nodeType="clickEffect">
-                                  <p:stCondLst>
-                                    <p:cond delay="0"/>
-                                  </p:stCondLst>
-                                  <p:childTnLst>
-                                    <p:set>
-                                      <p:cBhvr>
-                                        <p:cTn id="50" dur="1" fill="hold">
-                                          <p:stCondLst>
-                                            <p:cond delay="0"/>
-                                          </p:stCondLst>
-                                        </p:cTn>
-                                        <p:tgtEl>
-                                          <p:spTgt spid="8">
-                                            <p:txEl>
-                                              <p:pRg st="4" end="4"/>
-                                            </p:txEl>
-                                          </p:spTgt>
-                                        </p:tgtEl>
-                                        <p:attrNameLst>
-                                          <p:attrName>style.visibility</p:attrName>
-                                        </p:attrNameLst>
-                                      </p:cBhvr>
-                                      <p:to>
-                                        <p:strVal val="visible"/>
-                                      </p:to>
-                                    </p:set>
-                                  </p:childTnLst>
-                                </p:cTn>
-                              </p:par>
-                            </p:childTnLst>
-                          </p:cTn>
-                        </p:par>
-                      </p:childTnLst>
-                    </p:cTn>
-                  </p:par>
-                </p:childTnLst>
-              </p:cTn>
-              <p:prevCondLst>
-                <p:cond evt="onPrev" delay="0">
-                  <p:tgtEl>
-                    <p:sldTgt/>
-                  </p:tgtEl>
-                </p:cond>
-              </p:prevCondLst>
-              <p:nextCondLst>
-                <p:cond evt="onNext" delay="0">
-                  <p:tgtEl>
-                    <p:sldTgt/>
-                  </p:tgtEl>
-                </p:cond>
-              </p:nextCondLst>
-            </p:seq>
-          </p:childTnLst>
-        </p:cTn>
-      </p:par>
-    </p:tnLst>
-    <p:bldLst>
-      <p:bldP spid="5" grpId="0" build="p"/>
-      <p:bldP spid="8" grpId="0" build="p"/>
-      <p:bldP spid="9" grpId="0" build="p"/>
-    </p:bldLst>
-  </p:timing>
 </p:sld>
 </file>
 
@@ -7038,10 +6260,16 @@
               <a:rPr lang="en-US" sz="2400" b="1" dirty="0">
                 <a:latin typeface="Futura Light" pitchFamily="2" charset="77"/>
               </a:rPr>
-              <a:t>Station View: the </a:t>
-            </a:r>
-            <a:r>
-              <a:rPr lang="en-GB" sz="2400" b="1" dirty="0">
+              <a:t>Station View: </a:t>
+            </a:r>
+            <a:r>
+              <a:rPr lang="en-US" sz="2400" dirty="0">
+                <a:latin typeface="Futura Light" pitchFamily="2" charset="77"/>
+              </a:rPr>
+              <a:t>the </a:t>
+            </a:r>
+            <a:r>
+              <a:rPr lang="en-GB" sz="2400" dirty="0">
                 <a:latin typeface="Futura Light" pitchFamily="2" charset="77"/>
               </a:rPr>
               <a:t>Driver must be able to visualise (map and list) the nearby stations and to book the desired station</a:t>
@@ -7065,7 +6293,13 @@
               <a:rPr lang="en-GB" sz="2400" b="1" dirty="0">
                 <a:latin typeface="Futura Light" pitchFamily="2" charset="77"/>
               </a:rPr>
-              <a:t>Charging Process: the Driver is notified when the recharge ends and can stop the charging process</a:t>
+              <a:t>Charging Process: </a:t>
+            </a:r>
+            <a:r>
+              <a:rPr lang="en-GB" sz="2400" dirty="0">
+                <a:latin typeface="Futura Light" pitchFamily="2" charset="77"/>
+              </a:rPr>
+              <a:t>the Driver is notified when the recharge ends and can stop the charging process</a:t>
             </a:r>
           </a:p>
           <a:p>
@@ -7086,7 +6320,13 @@
               <a:rPr lang="en-GB" sz="2400" b="1" dirty="0">
                 <a:latin typeface="Futura Light" pitchFamily="2" charset="77"/>
               </a:rPr>
-              <a:t>Profile: the User can select an active vehicle and an active payment method</a:t>
+              <a:t>Profile: </a:t>
+            </a:r>
+            <a:r>
+              <a:rPr lang="en-GB" sz="2400" dirty="0">
+                <a:latin typeface="Futura Light" pitchFamily="2" charset="77"/>
+              </a:rPr>
+              <a:t>the User can select an active vehicle and an active payment method</a:t>
             </a:r>
           </a:p>
           <a:p>
@@ -7103,7 +6343,13 @@
               <a:rPr lang="en-US" sz="2400" b="1" dirty="0">
                 <a:latin typeface="Futura Light" pitchFamily="2" charset="77"/>
               </a:rPr>
-              <a:t>Recommendations: Driver can accept a reservation suggestion by the system</a:t>
+              <a:t>Recommendations: </a:t>
+            </a:r>
+            <a:r>
+              <a:rPr lang="en-US" sz="2400" dirty="0">
+                <a:latin typeface="Futura Light" pitchFamily="2" charset="77"/>
+              </a:rPr>
+              <a:t>Driver can accept a reservation suggestion by the system</a:t>
             </a:r>
           </a:p>
           <a:p>
@@ -7121,10 +6367,22 @@
               <a:buChar char="•"/>
             </a:pPr>
             <a:r>
+              <a:rPr lang="en-GB" sz="2400" dirty="0">
+                <a:latin typeface="Futura Light" pitchFamily="2" charset="77"/>
+              </a:rPr>
+              <a:t>The</a:t>
+            </a:r>
+            <a:r>
               <a:rPr lang="en-GB" sz="2400" b="1" dirty="0">
                 <a:latin typeface="Futura Light" pitchFamily="2" charset="77"/>
               </a:rPr>
-              <a:t>The CPO Administrator must be able to know the status of his stations and to manage their settings</a:t>
+              <a:t> CPO Administrator </a:t>
+            </a:r>
+            <a:r>
+              <a:rPr lang="en-GB" sz="2400" dirty="0">
+                <a:latin typeface="Futura Light" pitchFamily="2" charset="77"/>
+              </a:rPr>
+              <a:t>must be able to know the status of his stations and to manage their settings</a:t>
             </a:r>
           </a:p>
           <a:p>
@@ -7259,284 +6517,6 @@
   <p:clrMapOvr>
     <a:masterClrMapping/>
   </p:clrMapOvr>
-  <p:timing>
-    <p:tnLst>
-      <p:par>
-        <p:cTn id="1" dur="indefinite" restart="never" nodeType="tmRoot">
-          <p:childTnLst>
-            <p:seq concurrent="1" nextAc="seek">
-              <p:cTn id="2" dur="indefinite" nodeType="mainSeq">
-                <p:childTnLst>
-                  <p:par>
-                    <p:cTn id="3" fill="hold">
-                      <p:stCondLst>
-                        <p:cond delay="indefinite"/>
-                      </p:stCondLst>
-                      <p:childTnLst>
-                        <p:par>
-                          <p:cTn id="4" fill="hold">
-                            <p:stCondLst>
-                              <p:cond delay="0"/>
-                            </p:stCondLst>
-                            <p:childTnLst>
-                              <p:par>
-                                <p:cTn id="5" presetID="1" presetClass="entr" presetSubtype="0" fill="hold" grpId="0" nodeType="clickEffect">
-                                  <p:stCondLst>
-                                    <p:cond delay="0"/>
-                                  </p:stCondLst>
-                                  <p:childTnLst>
-                                    <p:set>
-                                      <p:cBhvr>
-                                        <p:cTn id="6" dur="1" fill="hold">
-                                          <p:stCondLst>
-                                            <p:cond delay="0"/>
-                                          </p:stCondLst>
-                                        </p:cTn>
-                                        <p:tgtEl>
-                                          <p:spTgt spid="6">
-                                            <p:txEl>
-                                              <p:pRg st="0" end="0"/>
-                                            </p:txEl>
-                                          </p:spTgt>
-                                        </p:tgtEl>
-                                        <p:attrNameLst>
-                                          <p:attrName>style.visibility</p:attrName>
-                                        </p:attrNameLst>
-                                      </p:cBhvr>
-                                      <p:to>
-                                        <p:strVal val="visible"/>
-                                      </p:to>
-                                    </p:set>
-                                  </p:childTnLst>
-                                </p:cTn>
-                              </p:par>
-                            </p:childTnLst>
-                          </p:cTn>
-                        </p:par>
-                      </p:childTnLst>
-                    </p:cTn>
-                  </p:par>
-                  <p:par>
-                    <p:cTn id="7" fill="hold">
-                      <p:stCondLst>
-                        <p:cond delay="indefinite"/>
-                      </p:stCondLst>
-                      <p:childTnLst>
-                        <p:par>
-                          <p:cTn id="8" fill="hold">
-                            <p:stCondLst>
-                              <p:cond delay="0"/>
-                            </p:stCondLst>
-                            <p:childTnLst>
-                              <p:par>
-                                <p:cTn id="9" presetID="1" presetClass="entr" presetSubtype="0" fill="hold" grpId="0" nodeType="clickEffect">
-                                  <p:stCondLst>
-                                    <p:cond delay="0"/>
-                                  </p:stCondLst>
-                                  <p:childTnLst>
-                                    <p:set>
-                                      <p:cBhvr>
-                                        <p:cTn id="10" dur="1" fill="hold">
-                                          <p:stCondLst>
-                                            <p:cond delay="0"/>
-                                          </p:stCondLst>
-                                        </p:cTn>
-                                        <p:tgtEl>
-                                          <p:spTgt spid="6">
-                                            <p:txEl>
-                                              <p:pRg st="2" end="2"/>
-                                            </p:txEl>
-                                          </p:spTgt>
-                                        </p:tgtEl>
-                                        <p:attrNameLst>
-                                          <p:attrName>style.visibility</p:attrName>
-                                        </p:attrNameLst>
-                                      </p:cBhvr>
-                                      <p:to>
-                                        <p:strVal val="visible"/>
-                                      </p:to>
-                                    </p:set>
-                                  </p:childTnLst>
-                                </p:cTn>
-                              </p:par>
-                            </p:childTnLst>
-                          </p:cTn>
-                        </p:par>
-                      </p:childTnLst>
-                    </p:cTn>
-                  </p:par>
-                  <p:par>
-                    <p:cTn id="11" fill="hold">
-                      <p:stCondLst>
-                        <p:cond delay="indefinite"/>
-                      </p:stCondLst>
-                      <p:childTnLst>
-                        <p:par>
-                          <p:cTn id="12" fill="hold">
-                            <p:stCondLst>
-                              <p:cond delay="0"/>
-                            </p:stCondLst>
-                            <p:childTnLst>
-                              <p:par>
-                                <p:cTn id="13" presetID="1" presetClass="entr" presetSubtype="0" fill="hold" grpId="0" nodeType="clickEffect">
-                                  <p:stCondLst>
-                                    <p:cond delay="0"/>
-                                  </p:stCondLst>
-                                  <p:childTnLst>
-                                    <p:set>
-                                      <p:cBhvr>
-                                        <p:cTn id="14" dur="1" fill="hold">
-                                          <p:stCondLst>
-                                            <p:cond delay="0"/>
-                                          </p:stCondLst>
-                                        </p:cTn>
-                                        <p:tgtEl>
-                                          <p:spTgt spid="6">
-                                            <p:txEl>
-                                              <p:pRg st="4" end="4"/>
-                                            </p:txEl>
-                                          </p:spTgt>
-                                        </p:tgtEl>
-                                        <p:attrNameLst>
-                                          <p:attrName>style.visibility</p:attrName>
-                                        </p:attrNameLst>
-                                      </p:cBhvr>
-                                      <p:to>
-                                        <p:strVal val="visible"/>
-                                      </p:to>
-                                    </p:set>
-                                  </p:childTnLst>
-                                </p:cTn>
-                              </p:par>
-                            </p:childTnLst>
-                          </p:cTn>
-                        </p:par>
-                      </p:childTnLst>
-                    </p:cTn>
-                  </p:par>
-                  <p:par>
-                    <p:cTn id="15" fill="hold">
-                      <p:stCondLst>
-                        <p:cond delay="indefinite"/>
-                      </p:stCondLst>
-                      <p:childTnLst>
-                        <p:par>
-                          <p:cTn id="16" fill="hold">
-                            <p:stCondLst>
-                              <p:cond delay="0"/>
-                            </p:stCondLst>
-                            <p:childTnLst>
-                              <p:par>
-                                <p:cTn id="17" presetID="1" presetClass="entr" presetSubtype="0" fill="hold" grpId="0" nodeType="clickEffect">
-                                  <p:stCondLst>
-                                    <p:cond delay="0"/>
-                                  </p:stCondLst>
-                                  <p:childTnLst>
-                                    <p:set>
-                                      <p:cBhvr>
-                                        <p:cTn id="18" dur="1" fill="hold">
-                                          <p:stCondLst>
-                                            <p:cond delay="0"/>
-                                          </p:stCondLst>
-                                        </p:cTn>
-                                        <p:tgtEl>
-                                          <p:spTgt spid="6">
-                                            <p:txEl>
-                                              <p:pRg st="6" end="6"/>
-                                            </p:txEl>
-                                          </p:spTgt>
-                                        </p:tgtEl>
-                                        <p:attrNameLst>
-                                          <p:attrName>style.visibility</p:attrName>
-                                        </p:attrNameLst>
-                                      </p:cBhvr>
-                                      <p:to>
-                                        <p:strVal val="visible"/>
-                                      </p:to>
-                                    </p:set>
-                                  </p:childTnLst>
-                                </p:cTn>
-                              </p:par>
-                            </p:childTnLst>
-                          </p:cTn>
-                        </p:par>
-                      </p:childTnLst>
-                    </p:cTn>
-                  </p:par>
-                  <p:par>
-                    <p:cTn id="19" fill="hold">
-                      <p:stCondLst>
-                        <p:cond delay="indefinite"/>
-                      </p:stCondLst>
-                      <p:childTnLst>
-                        <p:par>
-                          <p:cTn id="20" fill="hold">
-                            <p:stCondLst>
-                              <p:cond delay="0"/>
-                            </p:stCondLst>
-                            <p:childTnLst>
-                              <p:par>
-                                <p:cTn id="21" presetID="1" presetClass="entr" presetSubtype="0" fill="hold" grpId="0" nodeType="clickEffect">
-                                  <p:stCondLst>
-                                    <p:cond delay="0"/>
-                                  </p:stCondLst>
-                                  <p:childTnLst>
-                                    <p:set>
-                                      <p:cBhvr>
-                                        <p:cTn id="22" dur="1" fill="hold">
-                                          <p:stCondLst>
-                                            <p:cond delay="0"/>
-                                          </p:stCondLst>
-                                        </p:cTn>
-                                        <p:tgtEl>
-                                          <p:spTgt spid="6">
-                                            <p:txEl>
-                                              <p:pRg st="8" end="8"/>
-                                            </p:txEl>
-                                          </p:spTgt>
-                                        </p:tgtEl>
-                                        <p:attrNameLst>
-                                          <p:attrName>style.visibility</p:attrName>
-                                        </p:attrNameLst>
-                                      </p:cBhvr>
-                                      <p:to>
-                                        <p:strVal val="visible"/>
-                                      </p:to>
-                                    </p:set>
-                                  </p:childTnLst>
-                                </p:cTn>
-                              </p:par>
-                            </p:childTnLst>
-                          </p:cTn>
-                        </p:par>
-                      </p:childTnLst>
-                    </p:cTn>
-                  </p:par>
-                </p:childTnLst>
-              </p:cTn>
-              <p:prevCondLst>
-                <p:cond evt="onPrev" delay="0">
-                  <p:tgtEl>
-                    <p:sldTgt/>
-                  </p:tgtEl>
-                </p:cond>
-              </p:prevCondLst>
-              <p:nextCondLst>
-                <p:cond evt="onNext" delay="0">
-                  <p:tgtEl>
-                    <p:sldTgt/>
-                  </p:tgtEl>
-                </p:cond>
-              </p:nextCondLst>
-            </p:seq>
-          </p:childTnLst>
-        </p:cTn>
-      </p:par>
-    </p:tnLst>
-    <p:bldLst>
-      <p:bldP spid="6" grpId="0" build="p"/>
-    </p:bldLst>
-  </p:timing>
 </p:sld>
 </file>
 
@@ -7575,7 +6555,7 @@
         </p:nvSpPr>
         <p:spPr>
           <a:xfrm>
-            <a:off x="1069276" y="2361841"/>
+            <a:off x="1069276" y="2022207"/>
             <a:ext cx="3877056" cy="4297680"/>
           </a:xfrm>
         </p:spPr>
@@ -7601,7 +6581,7 @@
           </a:p>
           <a:p>
             <a:r>
-              <a:rPr lang="en-US" b="1" dirty="0">
+              <a:rPr lang="en-US" dirty="0">
                 <a:latin typeface="Futura Light" pitchFamily="2" charset="77"/>
               </a:rPr>
               <a:t>Universal type</a:t>
@@ -7609,7 +6589,7 @@
           </a:p>
           <a:p>
             <a:r>
-              <a:rPr lang="en-US" b="1" dirty="0">
+              <a:rPr lang="en-US" dirty="0">
                 <a:latin typeface="Futura Light" pitchFamily="2" charset="77"/>
               </a:rPr>
               <a:t>Retrieve real time info</a:t>
@@ -7617,7 +6597,7 @@
           </a:p>
           <a:p>
             <a:r>
-              <a:rPr lang="en-US" b="1" dirty="0">
+              <a:rPr lang="en-US" dirty="0">
                 <a:latin typeface="Futura Light" pitchFamily="2" charset="77"/>
               </a:rPr>
               <a:t>Speed constraint</a:t>
@@ -7761,7 +6741,7 @@
         </p:nvSpPr>
         <p:spPr>
           <a:xfrm>
-            <a:off x="7245669" y="2354217"/>
+            <a:off x="7245668" y="2022207"/>
             <a:ext cx="3877056" cy="4297680"/>
           </a:xfrm>
           <a:prstGeom prst="rect">
@@ -7955,7 +6935,7 @@
           </a:p>
           <a:p>
             <a:r>
-              <a:rPr lang="en-US" b="1" dirty="0">
+              <a:rPr lang="en-US" dirty="0">
                 <a:latin typeface="Futura Light" pitchFamily="2" charset="77"/>
               </a:rPr>
               <a:t>GPS and schedule information</a:t>
@@ -7963,15 +6943,15 @@
           </a:p>
           <a:p>
             <a:r>
-              <a:rPr lang="en-US" b="1" dirty="0">
+              <a:rPr lang="en-US" dirty="0">
                 <a:latin typeface="Futura Light" pitchFamily="2" charset="77"/>
               </a:rPr>
-              <a:t>Vehicle verification</a:t>
-            </a:r>
-          </a:p>
-          <a:p>
-            <a:r>
-              <a:rPr lang="en-US" b="1" dirty="0">
+              <a:t>Vehicle information and license plate verification</a:t>
+            </a:r>
+          </a:p>
+          <a:p>
+            <a:r>
+              <a:rPr lang="en-US" dirty="0">
                 <a:latin typeface="Futura Light" pitchFamily="2" charset="77"/>
               </a:rPr>
               <a:t>DSO and station information</a:t>
@@ -7989,130 +6969,6 @@
   <p:clrMapOvr>
     <a:masterClrMapping/>
   </p:clrMapOvr>
-  <p:timing>
-    <p:tnLst>
-      <p:par>
-        <p:cTn id="1" dur="indefinite" restart="never" nodeType="tmRoot">
-          <p:childTnLst>
-            <p:seq concurrent="1" nextAc="seek">
-              <p:cTn id="2" dur="indefinite" nodeType="mainSeq">
-                <p:childTnLst>
-                  <p:par>
-                    <p:cTn id="3" fill="hold">
-                      <p:stCondLst>
-                        <p:cond delay="indefinite"/>
-                      </p:stCondLst>
-                      <p:childTnLst>
-                        <p:par>
-                          <p:cTn id="4" fill="hold">
-                            <p:stCondLst>
-                              <p:cond delay="0"/>
-                            </p:stCondLst>
-                            <p:childTnLst>
-                              <p:par>
-                                <p:cTn id="5" presetID="1" presetClass="entr" presetSubtype="0" fill="hold" grpId="0" nodeType="clickEffect">
-                                  <p:stCondLst>
-                                    <p:cond delay="0"/>
-                                  </p:stCondLst>
-                                  <p:childTnLst>
-                                    <p:set>
-                                      <p:cBhvr>
-                                        <p:cTn id="6" dur="1" fill="hold">
-                                          <p:stCondLst>
-                                            <p:cond delay="0"/>
-                                          </p:stCondLst>
-                                        </p:cTn>
-                                        <p:tgtEl>
-                                          <p:spTgt spid="9"/>
-                                        </p:tgtEl>
-                                        <p:attrNameLst>
-                                          <p:attrName>style.visibility</p:attrName>
-                                        </p:attrNameLst>
-                                      </p:cBhvr>
-                                      <p:to>
-                                        <p:strVal val="visible"/>
-                                      </p:to>
-                                    </p:set>
-                                  </p:childTnLst>
-                                </p:cTn>
-                              </p:par>
-                            </p:childTnLst>
-                          </p:cTn>
-                        </p:par>
-                      </p:childTnLst>
-                    </p:cTn>
-                  </p:par>
-                  <p:par>
-                    <p:cTn id="7" fill="hold">
-                      <p:stCondLst>
-                        <p:cond delay="indefinite"/>
-                      </p:stCondLst>
-                      <p:childTnLst>
-                        <p:par>
-                          <p:cTn id="8" fill="hold">
-                            <p:stCondLst>
-                              <p:cond delay="0"/>
-                            </p:stCondLst>
-                            <p:childTnLst>
-                              <p:par>
-                                <p:cTn id="9" presetID="1" presetClass="entr" presetSubtype="0" fill="hold" grpId="0" nodeType="clickEffect">
-                                  <p:stCondLst>
-                                    <p:cond delay="0"/>
-                                  </p:stCondLst>
-                                  <p:childTnLst>
-                                    <p:set>
-                                      <p:cBhvr>
-                                        <p:cTn id="10" dur="1" fill="hold">
-                                          <p:stCondLst>
-                                            <p:cond delay="0"/>
-                                          </p:stCondLst>
-                                        </p:cTn>
-                                        <p:tgtEl>
-                                          <p:spTgt spid="16"/>
-                                        </p:tgtEl>
-                                        <p:attrNameLst>
-                                          <p:attrName>style.visibility</p:attrName>
-                                        </p:attrNameLst>
-                                      </p:cBhvr>
-                                      <p:to>
-                                        <p:strVal val="visible"/>
-                                      </p:to>
-                                    </p:set>
-                                  </p:childTnLst>
-                                </p:cTn>
-                              </p:par>
-                            </p:childTnLst>
-                          </p:cTn>
-                        </p:par>
-                      </p:childTnLst>
-                    </p:cTn>
-                  </p:par>
-                </p:childTnLst>
-              </p:cTn>
-              <p:prevCondLst>
-                <p:cond evt="onPrev" delay="0">
-                  <p:tgtEl>
-                    <p:sldTgt/>
-                  </p:tgtEl>
-                </p:cond>
-              </p:prevCondLst>
-              <p:nextCondLst>
-                <p:cond evt="onNext" delay="0">
-                  <p:tgtEl>
-                    <p:sldTgt/>
-                  </p:tgtEl>
-                </p:cond>
-              </p:nextCondLst>
-            </p:seq>
-          </p:childTnLst>
-        </p:cTn>
-      </p:par>
-    </p:tnLst>
-    <p:bldLst>
-      <p:bldP spid="9" grpId="0"/>
-      <p:bldP spid="16" grpId="0"/>
-    </p:bldLst>
-  </p:timing>
 </p:sld>
 </file>
 
@@ -8445,8 +7301,8 @@
         </p:blipFill>
         <p:spPr>
           <a:xfrm>
-            <a:off x="649995" y="1305249"/>
-            <a:ext cx="10892010" cy="5526842"/>
+            <a:off x="683046" y="1351472"/>
+            <a:ext cx="10825908" cy="5493300"/>
           </a:xfrm>
           <a:prstGeom prst="rect">
             <a:avLst/>
